--- a/BusinessLogic/Docs/EdaWorkshop_Sprint1.pptx
+++ b/BusinessLogic/Docs/EdaWorkshop_Sprint1.pptx
@@ -254,7 +254,7 @@
           <a:p>
             <a:fld id="{0B5D536D-AE8C-4EAC-8CEB-B18A64A144B4}" type="datetimeFigureOut">
               <a:rPr lang="en-US" smtClean="0"/>
-              <a:t>9/27/2021</a:t>
+              <a:t>10/2/2021</a:t>
             </a:fld>
             <a:endParaRPr lang="en-US"/>
           </a:p>
@@ -424,7 +424,7 @@
           <a:p>
             <a:fld id="{0B5D536D-AE8C-4EAC-8CEB-B18A64A144B4}" type="datetimeFigureOut">
               <a:rPr lang="en-US" smtClean="0"/>
-              <a:t>9/27/2021</a:t>
+              <a:t>10/2/2021</a:t>
             </a:fld>
             <a:endParaRPr lang="en-US"/>
           </a:p>
@@ -604,7 +604,7 @@
           <a:p>
             <a:fld id="{0B5D536D-AE8C-4EAC-8CEB-B18A64A144B4}" type="datetimeFigureOut">
               <a:rPr lang="en-US" smtClean="0"/>
-              <a:t>9/27/2021</a:t>
+              <a:t>10/2/2021</a:t>
             </a:fld>
             <a:endParaRPr lang="en-US"/>
           </a:p>
@@ -774,7 +774,7 @@
           <a:p>
             <a:fld id="{0B5D536D-AE8C-4EAC-8CEB-B18A64A144B4}" type="datetimeFigureOut">
               <a:rPr lang="en-US" smtClean="0"/>
-              <a:t>9/27/2021</a:t>
+              <a:t>10/2/2021</a:t>
             </a:fld>
             <a:endParaRPr lang="en-US"/>
           </a:p>
@@ -1020,7 +1020,7 @@
           <a:p>
             <a:fld id="{0B5D536D-AE8C-4EAC-8CEB-B18A64A144B4}" type="datetimeFigureOut">
               <a:rPr lang="en-US" smtClean="0"/>
-              <a:t>9/27/2021</a:t>
+              <a:t>10/2/2021</a:t>
             </a:fld>
             <a:endParaRPr lang="en-US"/>
           </a:p>
@@ -1252,7 +1252,7 @@
           <a:p>
             <a:fld id="{0B5D536D-AE8C-4EAC-8CEB-B18A64A144B4}" type="datetimeFigureOut">
               <a:rPr lang="en-US" smtClean="0"/>
-              <a:t>9/27/2021</a:t>
+              <a:t>10/2/2021</a:t>
             </a:fld>
             <a:endParaRPr lang="en-US"/>
           </a:p>
@@ -1619,7 +1619,7 @@
           <a:p>
             <a:fld id="{0B5D536D-AE8C-4EAC-8CEB-B18A64A144B4}" type="datetimeFigureOut">
               <a:rPr lang="en-US" smtClean="0"/>
-              <a:t>9/27/2021</a:t>
+              <a:t>10/2/2021</a:t>
             </a:fld>
             <a:endParaRPr lang="en-US"/>
           </a:p>
@@ -1737,7 +1737,7 @@
           <a:p>
             <a:fld id="{0B5D536D-AE8C-4EAC-8CEB-B18A64A144B4}" type="datetimeFigureOut">
               <a:rPr lang="en-US" smtClean="0"/>
-              <a:t>9/27/2021</a:t>
+              <a:t>10/2/2021</a:t>
             </a:fld>
             <a:endParaRPr lang="en-US"/>
           </a:p>
@@ -1832,7 +1832,7 @@
           <a:p>
             <a:fld id="{0B5D536D-AE8C-4EAC-8CEB-B18A64A144B4}" type="datetimeFigureOut">
               <a:rPr lang="en-US" smtClean="0"/>
-              <a:t>9/27/2021</a:t>
+              <a:t>10/2/2021</a:t>
             </a:fld>
             <a:endParaRPr lang="en-US"/>
           </a:p>
@@ -2109,7 +2109,7 @@
           <a:p>
             <a:fld id="{0B5D536D-AE8C-4EAC-8CEB-B18A64A144B4}" type="datetimeFigureOut">
               <a:rPr lang="en-US" smtClean="0"/>
-              <a:t>9/27/2021</a:t>
+              <a:t>10/2/2021</a:t>
             </a:fld>
             <a:endParaRPr lang="en-US"/>
           </a:p>
@@ -2362,7 +2362,7 @@
           <a:p>
             <a:fld id="{0B5D536D-AE8C-4EAC-8CEB-B18A64A144B4}" type="datetimeFigureOut">
               <a:rPr lang="en-US" smtClean="0"/>
-              <a:t>9/27/2021</a:t>
+              <a:t>10/2/2021</a:t>
             </a:fld>
             <a:endParaRPr lang="en-US"/>
           </a:p>
@@ -2575,7 +2575,7 @@
           <a:p>
             <a:fld id="{0B5D536D-AE8C-4EAC-8CEB-B18A64A144B4}" type="datetimeFigureOut">
               <a:rPr lang="en-US" smtClean="0"/>
-              <a:t>9/27/2021</a:t>
+              <a:t>10/2/2021</a:t>
             </a:fld>
             <a:endParaRPr lang="en-US"/>
           </a:p>
@@ -3077,11 +3077,7 @@
             </a:r>
             <a:r>
               <a:rPr lang="en-US" dirty="0" smtClean="0"/>
-              <a:t>ask 1-2: </a:t>
-            </a:r>
-            <a:r>
-              <a:rPr lang="en-US" dirty="0" smtClean="0"/>
-              <a:t>Create Provider Transfer</a:t>
+              <a:t>ask 1-2: Create Provider Transfer</a:t>
             </a:r>
             <a:br>
               <a:rPr lang="en-US" dirty="0" smtClean="0"/>
@@ -3107,7 +3103,7 @@
         <p:spPr/>
         <p:txBody>
           <a:bodyPr>
-            <a:normAutofit lnSpcReduction="10000"/>
+            <a:normAutofit fontScale="85000" lnSpcReduction="20000"/>
           </a:bodyPr>
           <a:lstStyle/>
           <a:p>
@@ -3122,8 +3118,37 @@
           <a:p>
             <a:r>
               <a:rPr lang="en-US" dirty="0" smtClean="0"/>
-              <a:t>Start with ThreeAmigosHealth.sln in Sprint1/Initial</a:t>
-            </a:r>
+              <a:t>Start with ThreeAmigosHealth.sln in </a:t>
+            </a:r>
+            <a:r>
+              <a:rPr lang="en-US" dirty="0" smtClean="0"/>
+              <a:t>Sprint1</a:t>
+            </a:r>
+          </a:p>
+          <a:p>
+            <a:endParaRPr lang="en-US" dirty="0"/>
+          </a:p>
+          <a:p>
+            <a:r>
+              <a:rPr lang="en-US" dirty="0" smtClean="0"/>
+              <a:t>Ensure logged into Azure (via CLI)</a:t>
+            </a:r>
+          </a:p>
+          <a:p>
+            <a:pPr lvl="1"/>
+            <a:r>
+              <a:rPr lang="en-US" dirty="0" smtClean="0"/>
+              <a:t>i.e. </a:t>
+            </a:r>
+            <a:r>
+              <a:rPr lang="en-US" dirty="0" err="1" smtClean="0"/>
+              <a:t>az</a:t>
+            </a:r>
+            <a:r>
+              <a:rPr lang="en-US" dirty="0" smtClean="0"/>
+              <a:t> login</a:t>
+            </a:r>
+            <a:endParaRPr lang="en-US" dirty="0" smtClean="0"/>
           </a:p>
           <a:p>
             <a:endParaRPr lang="en-US" dirty="0" smtClean="0"/>
@@ -3192,11 +3217,7 @@
             </a:r>
             <a:r>
               <a:rPr lang="en-US" dirty="0" smtClean="0"/>
-              <a:t> </a:t>
-            </a:r>
-            <a:r>
-              <a:rPr lang="en-US" dirty="0" smtClean="0"/>
-              <a:t>hub</a:t>
+              <a:t> hub</a:t>
             </a:r>
           </a:p>
           <a:p>
@@ -3297,11 +3318,7 @@
             </a:r>
             <a:r>
               <a:rPr lang="en-US" dirty="0" smtClean="0"/>
-              <a:t>ask 1-3: Deploy </a:t>
-            </a:r>
-            <a:r>
-              <a:rPr lang="en-US" dirty="0" smtClean="0"/>
-              <a:t>Provider Transfer</a:t>
+              <a:t>ask 1-3: Deploy Provider Transfer</a:t>
             </a:r>
             <a:br>
               <a:rPr lang="en-US" dirty="0" smtClean="0"/>
@@ -3351,7 +3368,6 @@
               <a:rPr lang="en-US" b="1" i="1" dirty="0" smtClean="0"/>
               <a:t>App Service name must globally unique</a:t>
             </a:r>
-            <a:endParaRPr lang="en-US" b="1" i="1" dirty="0" smtClean="0"/>
           </a:p>
           <a:p>
             <a:pPr lvl="1"/>
@@ -3411,11 +3427,7 @@
             </a:r>
             <a:r>
               <a:rPr lang="en-US" dirty="0" smtClean="0"/>
-              <a:t> </a:t>
-            </a:r>
-            <a:r>
-              <a:rPr lang="en-US" dirty="0" smtClean="0"/>
-              <a:t>hub</a:t>
+              <a:t> hub</a:t>
             </a:r>
           </a:p>
         </p:txBody>
@@ -3556,7 +3568,6 @@
               <a:rPr lang="en-US" dirty="0" smtClean="0"/>
               <a:t>We are using PaaS options to minimize development and maintenance work</a:t>
             </a:r>
-            <a:endParaRPr lang="en-US" dirty="0" smtClean="0"/>
           </a:p>
           <a:p>
             <a:endParaRPr lang="en-US" dirty="0" smtClean="0"/>
@@ -3669,7 +3680,41 @@
           <a:p>
             <a:r>
               <a:rPr lang="en-US" dirty="0" smtClean="0"/>
-              <a:t>Do we need to ensure Azure emulator installed?</a:t>
+              <a:t>**** Install Azure CLI ****</a:t>
+            </a:r>
+          </a:p>
+          <a:p>
+            <a:endParaRPr lang="en-US" dirty="0"/>
+          </a:p>
+          <a:p>
+            <a:r>
+              <a:rPr lang="en-US" dirty="0" smtClean="0"/>
+              <a:t>??? Include App Insights when </a:t>
+            </a:r>
+            <a:r>
+              <a:rPr lang="en-US" dirty="0" err="1" smtClean="0"/>
+              <a:t>publishin</a:t>
+            </a:r>
+            <a:r>
+              <a:rPr lang="en-US" smtClean="0"/>
+              <a:t>???</a:t>
+            </a:r>
+            <a:endParaRPr lang="en-US" dirty="0" smtClean="0"/>
+          </a:p>
+          <a:p>
+            <a:endParaRPr lang="en-US" dirty="0"/>
+          </a:p>
+          <a:p>
+            <a:endParaRPr lang="en-US" dirty="0" smtClean="0"/>
+          </a:p>
+          <a:p>
+            <a:r>
+              <a:rPr lang="en-US" dirty="0" smtClean="0"/>
+              <a:t>Do </a:t>
+            </a:r>
+            <a:r>
+              <a:rPr lang="en-US" dirty="0" smtClean="0"/>
+              <a:t>we need to ensure Azure emulator installed?</a:t>
             </a:r>
           </a:p>
           <a:p>
@@ -3961,11 +4006,7 @@
           <a:p>
             <a:r>
               <a:rPr lang="en-US" dirty="0" smtClean="0"/>
-              <a:t>We’ll </a:t>
-            </a:r>
-            <a:r>
-              <a:rPr lang="en-US" dirty="0" smtClean="0"/>
-              <a:t>simulate incoming requests for service by generating random requests in the Provider Transfer Service</a:t>
+              <a:t>We’ll simulate incoming requests for service by generating random requests in the Provider Transfer Service</a:t>
             </a:r>
           </a:p>
           <a:p>
@@ -3976,7 +4017,6 @@
               <a:rPr lang="en-US" dirty="0" smtClean="0"/>
               <a:t>What Azure resources to use for message bus and service?</a:t>
             </a:r>
-            <a:endParaRPr lang="en-US" dirty="0" smtClean="0"/>
           </a:p>
           <a:p>
             <a:pPr lvl="1"/>
@@ -4256,7 +4296,6 @@
               <a:rPr lang="en-US" dirty="0" smtClean="0"/>
               <a:t> </a:t>
             </a:r>
-            <a:endParaRPr lang="en-US" dirty="0" smtClean="0"/>
           </a:p>
         </p:txBody>
       </p:sp>
@@ -4796,21 +4835,8 @@
           <a:p>
             <a:r>
               <a:rPr lang="en-US" dirty="0" smtClean="0"/>
-              <a:t>Choosing</a:t>
-            </a:r>
-            <a:r>
-              <a:rPr lang="en-US" dirty="0" smtClean="0"/>
-              <a:t> </a:t>
-            </a:r>
-            <a:r>
-              <a:rPr lang="en-US" dirty="0" smtClean="0"/>
-              <a:t>Event </a:t>
-            </a:r>
-            <a:r>
-              <a:rPr lang="en-US" dirty="0" smtClean="0"/>
-              <a:t>Hub</a:t>
-            </a:r>
-            <a:endParaRPr lang="en-US" dirty="0" smtClean="0"/>
+              <a:t>Choosing Event Hub</a:t>
+            </a:r>
           </a:p>
           <a:p>
             <a:pPr lvl="1"/>
@@ -5017,11 +5043,7 @@
             <a:pPr lvl="1"/>
             <a:r>
               <a:rPr lang="en-US" dirty="0" smtClean="0"/>
-              <a:t>Azure’s </a:t>
-            </a:r>
-            <a:r>
-              <a:rPr lang="en-US" dirty="0" smtClean="0"/>
-              <a:t>event-driven, </a:t>
+              <a:t>Azure’s event-driven, </a:t>
             </a:r>
             <a:r>
               <a:rPr lang="en-US" dirty="0" err="1" smtClean="0"/>
@@ -5029,108 +5051,89 @@
             </a:r>
             <a:r>
               <a:rPr lang="en-US" dirty="0" smtClean="0"/>
-              <a:t> compute </a:t>
-            </a:r>
-            <a:r>
-              <a:rPr lang="en-US" dirty="0" smtClean="0"/>
-              <a:t>option</a:t>
-            </a:r>
+              <a:t> compute option</a:t>
+            </a:r>
+          </a:p>
+          <a:p>
+            <a:pPr lvl="1"/>
+            <a:r>
+              <a:rPr lang="en-US" dirty="0" smtClean="0"/>
+              <a:t>Automatically scales – up to 200 parallel instances</a:t>
+            </a:r>
+          </a:p>
+          <a:p>
+            <a:pPr lvl="1"/>
+            <a:r>
+              <a:rPr lang="en-US" dirty="0" smtClean="0"/>
+              <a:t>We’ll discuss other hosting options in later sprint</a:t>
+            </a:r>
+          </a:p>
+          <a:p>
             <a:endParaRPr lang="en-US" dirty="0" smtClean="0"/>
           </a:p>
           <a:p>
+            <a:r>
+              <a:rPr lang="en-US" dirty="0" smtClean="0"/>
+              <a:t>Possible triggers</a:t>
+            </a:r>
+          </a:p>
+          <a:p>
             <a:pPr lvl="1"/>
             <a:r>
               <a:rPr lang="en-US" dirty="0" smtClean="0"/>
-              <a:t>Automatically </a:t>
-            </a:r>
-            <a:r>
-              <a:rPr lang="en-US" dirty="0" smtClean="0"/>
-              <a:t>scales – up to 200 parallel </a:t>
-            </a:r>
-            <a:r>
-              <a:rPr lang="en-US" dirty="0" smtClean="0"/>
-              <a:t>instances</a:t>
+              <a:t>HTTP call</a:t>
             </a:r>
           </a:p>
           <a:p>
             <a:pPr lvl="1"/>
             <a:r>
               <a:rPr lang="en-US" dirty="0" smtClean="0"/>
-              <a:t>We’ll discuss other hosting options in later sprint</a:t>
-            </a:r>
+              <a:t>Timer</a:t>
+            </a:r>
+          </a:p>
+          <a:p>
+            <a:pPr lvl="1"/>
+            <a:r>
+              <a:rPr lang="en-US" dirty="0" smtClean="0"/>
+              <a:t>Message arrived / event occurred</a:t>
+            </a:r>
+          </a:p>
+          <a:p>
+            <a:pPr lvl="1"/>
+            <a:r>
+              <a:rPr lang="en-US" dirty="0" smtClean="0"/>
+              <a:t>Database record created, updated, or deleted</a:t>
+            </a:r>
+          </a:p>
+          <a:p>
+            <a:pPr lvl="1"/>
+            <a:r>
+              <a:rPr lang="en-US" dirty="0" smtClean="0"/>
+              <a:t>BLOB created, updated, or deleted</a:t>
+            </a:r>
+          </a:p>
+          <a:p>
             <a:endParaRPr lang="en-US" dirty="0" smtClean="0"/>
           </a:p>
           <a:p>
-            <a:endParaRPr lang="en-US" dirty="0" smtClean="0"/>
-          </a:p>
-          <a:p>
-            <a:r>
-              <a:rPr lang="en-US" dirty="0" smtClean="0"/>
-              <a:t>Possible triggers</a:t>
+            <a:r>
+              <a:rPr lang="en-US" dirty="0" smtClean="0"/>
+              <a:t>Most often used in consumption mode – only charged for use</a:t>
             </a:r>
           </a:p>
           <a:p>
             <a:pPr lvl="1"/>
             <a:r>
               <a:rPr lang="en-US" dirty="0" smtClean="0"/>
-              <a:t>HTTP call</a:t>
+              <a:t>Based on number of executions, execution time, and memory used</a:t>
             </a:r>
           </a:p>
           <a:p>
             <a:pPr lvl="1"/>
             <a:r>
               <a:rPr lang="en-US" dirty="0" smtClean="0"/>
-              <a:t>Timer</a:t>
-            </a:r>
-          </a:p>
-          <a:p>
-            <a:pPr lvl="1"/>
-            <a:r>
-              <a:rPr lang="en-US" dirty="0" smtClean="0"/>
-              <a:t>Message arrived / event occurred</a:t>
-            </a:r>
-          </a:p>
-          <a:p>
-            <a:pPr lvl="1"/>
-            <a:r>
-              <a:rPr lang="en-US" dirty="0" smtClean="0"/>
-              <a:t>Database record created, updated, or deleted</a:t>
-            </a:r>
-          </a:p>
-          <a:p>
-            <a:pPr lvl="1"/>
-            <a:r>
-              <a:rPr lang="en-US" dirty="0" smtClean="0"/>
-              <a:t>BLOB created, updated, or deleted</a:t>
-            </a:r>
-          </a:p>
-          <a:p>
-            <a:endParaRPr lang="en-US" dirty="0" smtClean="0"/>
-          </a:p>
-          <a:p>
-            <a:r>
-              <a:rPr lang="en-US" dirty="0" smtClean="0"/>
-              <a:t>Most often used in consumption mode – only charged for use</a:t>
-            </a:r>
-          </a:p>
-          <a:p>
-            <a:pPr lvl="1"/>
-            <a:r>
-              <a:rPr lang="en-US" dirty="0" smtClean="0"/>
-              <a:t>Based on number of executions, execution time, and memory </a:t>
-            </a:r>
-            <a:r>
-              <a:rPr lang="en-US" dirty="0" smtClean="0"/>
-              <a:t>used</a:t>
-            </a:r>
-          </a:p>
-          <a:p>
-            <a:pPr lvl="1"/>
-            <a:r>
-              <a:rPr lang="en-US" dirty="0" smtClean="0"/>
               <a:t>Generally inexpensive for lightweight, infrequently used functionality</a:t>
             </a:r>
-            <a:endParaRPr lang="en-US" dirty="0" smtClean="0"/>
           </a:p>
         </p:txBody>
       </p:sp>
@@ -5249,13 +5252,20 @@
         </p:nvSpPr>
         <p:spPr/>
         <p:txBody>
-          <a:bodyPr/>
-          <a:lstStyle/>
-          <a:p>
-            <a:r>
-              <a:rPr lang="en-US" dirty="0" smtClean="0"/>
-              <a:t>Develop in Azure Portal</a:t>
-            </a:r>
+          <a:bodyPr>
+            <a:normAutofit/>
+          </a:bodyPr>
+          <a:lstStyle/>
+          <a:p>
+            <a:r>
+              <a:rPr lang="en-US" dirty="0" smtClean="0"/>
+              <a:t>Develop in Azure </a:t>
+            </a:r>
+            <a:r>
+              <a:rPr lang="en-US" dirty="0" smtClean="0"/>
+              <a:t>Portal</a:t>
+            </a:r>
+            <a:endParaRPr lang="en-US" dirty="0" smtClean="0"/>
           </a:p>
           <a:p>
             <a:endParaRPr lang="en-US" dirty="0" smtClean="0"/>

--- a/BusinessLogic/Docs/EdaWorkshop_Sprint1.pptx
+++ b/BusinessLogic/Docs/EdaWorkshop_Sprint1.pptx
@@ -6,17 +6,16 @@
   </p:sldMasterIdLst>
   <p:sldIdLst>
     <p:sldId id="269" r:id="rId2"/>
-    <p:sldId id="316" r:id="rId3"/>
-    <p:sldId id="271" r:id="rId4"/>
-    <p:sldId id="272" r:id="rId5"/>
-    <p:sldId id="314" r:id="rId6"/>
-    <p:sldId id="273" r:id="rId7"/>
-    <p:sldId id="317" r:id="rId8"/>
-    <p:sldId id="274" r:id="rId9"/>
-    <p:sldId id="275" r:id="rId10"/>
-    <p:sldId id="276" r:id="rId11"/>
-    <p:sldId id="315" r:id="rId12"/>
-    <p:sldId id="277" r:id="rId13"/>
+    <p:sldId id="271" r:id="rId3"/>
+    <p:sldId id="272" r:id="rId4"/>
+    <p:sldId id="314" r:id="rId5"/>
+    <p:sldId id="273" r:id="rId6"/>
+    <p:sldId id="317" r:id="rId7"/>
+    <p:sldId id="274" r:id="rId8"/>
+    <p:sldId id="275" r:id="rId9"/>
+    <p:sldId id="276" r:id="rId10"/>
+    <p:sldId id="315" r:id="rId11"/>
+    <p:sldId id="277" r:id="rId12"/>
   </p:sldIdLst>
   <p:sldSz cx="12192000" cy="6858000"/>
   <p:notesSz cx="6858000" cy="9144000"/>
@@ -254,7 +253,7 @@
           <a:p>
             <a:fld id="{0B5D536D-AE8C-4EAC-8CEB-B18A64A144B4}" type="datetimeFigureOut">
               <a:rPr lang="en-US" smtClean="0"/>
-              <a:t>10/2/2021</a:t>
+              <a:t>10/4/2021</a:t>
             </a:fld>
             <a:endParaRPr lang="en-US"/>
           </a:p>
@@ -424,7 +423,7 @@
           <a:p>
             <a:fld id="{0B5D536D-AE8C-4EAC-8CEB-B18A64A144B4}" type="datetimeFigureOut">
               <a:rPr lang="en-US" smtClean="0"/>
-              <a:t>10/2/2021</a:t>
+              <a:t>10/4/2021</a:t>
             </a:fld>
             <a:endParaRPr lang="en-US"/>
           </a:p>
@@ -604,7 +603,7 @@
           <a:p>
             <a:fld id="{0B5D536D-AE8C-4EAC-8CEB-B18A64A144B4}" type="datetimeFigureOut">
               <a:rPr lang="en-US" smtClean="0"/>
-              <a:t>10/2/2021</a:t>
+              <a:t>10/4/2021</a:t>
             </a:fld>
             <a:endParaRPr lang="en-US"/>
           </a:p>
@@ -774,7 +773,7 @@
           <a:p>
             <a:fld id="{0B5D536D-AE8C-4EAC-8CEB-B18A64A144B4}" type="datetimeFigureOut">
               <a:rPr lang="en-US" smtClean="0"/>
-              <a:t>10/2/2021</a:t>
+              <a:t>10/4/2021</a:t>
             </a:fld>
             <a:endParaRPr lang="en-US"/>
           </a:p>
@@ -1020,7 +1019,7 @@
           <a:p>
             <a:fld id="{0B5D536D-AE8C-4EAC-8CEB-B18A64A144B4}" type="datetimeFigureOut">
               <a:rPr lang="en-US" smtClean="0"/>
-              <a:t>10/2/2021</a:t>
+              <a:t>10/4/2021</a:t>
             </a:fld>
             <a:endParaRPr lang="en-US"/>
           </a:p>
@@ -1252,7 +1251,7 @@
           <a:p>
             <a:fld id="{0B5D536D-AE8C-4EAC-8CEB-B18A64A144B4}" type="datetimeFigureOut">
               <a:rPr lang="en-US" smtClean="0"/>
-              <a:t>10/2/2021</a:t>
+              <a:t>10/4/2021</a:t>
             </a:fld>
             <a:endParaRPr lang="en-US"/>
           </a:p>
@@ -1619,7 +1618,7 @@
           <a:p>
             <a:fld id="{0B5D536D-AE8C-4EAC-8CEB-B18A64A144B4}" type="datetimeFigureOut">
               <a:rPr lang="en-US" smtClean="0"/>
-              <a:t>10/2/2021</a:t>
+              <a:t>10/4/2021</a:t>
             </a:fld>
             <a:endParaRPr lang="en-US"/>
           </a:p>
@@ -1737,7 +1736,7 @@
           <a:p>
             <a:fld id="{0B5D536D-AE8C-4EAC-8CEB-B18A64A144B4}" type="datetimeFigureOut">
               <a:rPr lang="en-US" smtClean="0"/>
-              <a:t>10/2/2021</a:t>
+              <a:t>10/4/2021</a:t>
             </a:fld>
             <a:endParaRPr lang="en-US"/>
           </a:p>
@@ -1832,7 +1831,7 @@
           <a:p>
             <a:fld id="{0B5D536D-AE8C-4EAC-8CEB-B18A64A144B4}" type="datetimeFigureOut">
               <a:rPr lang="en-US" smtClean="0"/>
-              <a:t>10/2/2021</a:t>
+              <a:t>10/4/2021</a:t>
             </a:fld>
             <a:endParaRPr lang="en-US"/>
           </a:p>
@@ -2109,7 +2108,7 @@
           <a:p>
             <a:fld id="{0B5D536D-AE8C-4EAC-8CEB-B18A64A144B4}" type="datetimeFigureOut">
               <a:rPr lang="en-US" smtClean="0"/>
-              <a:t>10/2/2021</a:t>
+              <a:t>10/4/2021</a:t>
             </a:fld>
             <a:endParaRPr lang="en-US"/>
           </a:p>
@@ -2362,7 +2361,7 @@
           <a:p>
             <a:fld id="{0B5D536D-AE8C-4EAC-8CEB-B18A64A144B4}" type="datetimeFigureOut">
               <a:rPr lang="en-US" smtClean="0"/>
-              <a:t>10/2/2021</a:t>
+              <a:t>10/4/2021</a:t>
             </a:fld>
             <a:endParaRPr lang="en-US"/>
           </a:p>
@@ -2575,7 +2574,7 @@
           <a:p>
             <a:fld id="{0B5D536D-AE8C-4EAC-8CEB-B18A64A144B4}" type="datetimeFigureOut">
               <a:rPr lang="en-US" smtClean="0"/>
-              <a:t>10/2/2021</a:t>
+              <a:t>10/4/2021</a:t>
             </a:fld>
             <a:endParaRPr lang="en-US"/>
           </a:p>
@@ -3077,247 +3076,6 @@
             </a:r>
             <a:r>
               <a:rPr lang="en-US" dirty="0" smtClean="0"/>
-              <a:t>ask 1-2: Create Provider Transfer</a:t>
-            </a:r>
-            <a:br>
-              <a:rPr lang="en-US" dirty="0" smtClean="0"/>
-            </a:br>
-            <a:r>
-              <a:rPr lang="en-US" dirty="0" smtClean="0"/>
-              <a:t>Service</a:t>
-            </a:r>
-            <a:endParaRPr lang="en-US" dirty="0"/>
-          </a:p>
-        </p:txBody>
-      </p:sp>
-      <p:sp>
-        <p:nvSpPr>
-          <p:cNvPr id="3" name="Content Placeholder 2"/>
-          <p:cNvSpPr>
-            <a:spLocks noGrp="1"/>
-          </p:cNvSpPr>
-          <p:nvPr>
-            <p:ph idx="1"/>
-          </p:nvPr>
-        </p:nvSpPr>
-        <p:spPr/>
-        <p:txBody>
-          <a:bodyPr>
-            <a:normAutofit fontScale="85000" lnSpcReduction="20000"/>
-          </a:bodyPr>
-          <a:lstStyle/>
-          <a:p>
-            <a:r>
-              <a:rPr lang="en-US" dirty="0" smtClean="0"/>
-              <a:t>Simulate incoming requests by generating and sending randomly requests</a:t>
-            </a:r>
-          </a:p>
-          <a:p>
-            <a:endParaRPr lang="en-US" dirty="0" smtClean="0"/>
-          </a:p>
-          <a:p>
-            <a:r>
-              <a:rPr lang="en-US" dirty="0" smtClean="0"/>
-              <a:t>Start with ThreeAmigosHealth.sln in </a:t>
-            </a:r>
-            <a:r>
-              <a:rPr lang="en-US" dirty="0" smtClean="0"/>
-              <a:t>Sprint1</a:t>
-            </a:r>
-          </a:p>
-          <a:p>
-            <a:endParaRPr lang="en-US" dirty="0"/>
-          </a:p>
-          <a:p>
-            <a:r>
-              <a:rPr lang="en-US" dirty="0" smtClean="0"/>
-              <a:t>Ensure logged into Azure (via CLI)</a:t>
-            </a:r>
-          </a:p>
-          <a:p>
-            <a:pPr lvl="1"/>
-            <a:r>
-              <a:rPr lang="en-US" dirty="0" smtClean="0"/>
-              <a:t>i.e. </a:t>
-            </a:r>
-            <a:r>
-              <a:rPr lang="en-US" dirty="0" err="1" smtClean="0"/>
-              <a:t>az</a:t>
-            </a:r>
-            <a:r>
-              <a:rPr lang="en-US" dirty="0" smtClean="0"/>
-              <a:t> login</a:t>
-            </a:r>
-            <a:endParaRPr lang="en-US" dirty="0" smtClean="0"/>
-          </a:p>
-          <a:p>
-            <a:endParaRPr lang="en-US" dirty="0" smtClean="0"/>
-          </a:p>
-          <a:p>
-            <a:r>
-              <a:rPr lang="en-US" dirty="0" smtClean="0"/>
-              <a:t>Add Azure Functions / </a:t>
-            </a:r>
-            <a:r>
-              <a:rPr lang="en-US" dirty="0" err="1" smtClean="0"/>
-              <a:t>c#</a:t>
-            </a:r>
-            <a:r>
-              <a:rPr lang="en-US" dirty="0" smtClean="0"/>
-              <a:t> with Timer Trigger</a:t>
-            </a:r>
-          </a:p>
-          <a:p>
-            <a:pPr lvl="1"/>
-            <a:r>
-              <a:rPr lang="en-US" dirty="0" smtClean="0"/>
-              <a:t>Timer will send a request each time it fires</a:t>
-            </a:r>
-          </a:p>
-          <a:p>
-            <a:pPr lvl="1"/>
-            <a:r>
-              <a:rPr lang="en-US" dirty="0" smtClean="0"/>
-              <a:t>Use </a:t>
-            </a:r>
-            <a:r>
-              <a:rPr lang="en-US" dirty="0" err="1" smtClean="0"/>
-              <a:t>EventHubProducerClient</a:t>
-            </a:r>
-            <a:r>
-              <a:rPr lang="en-US" dirty="0" smtClean="0"/>
-              <a:t> from </a:t>
-            </a:r>
-            <a:r>
-              <a:rPr lang="en-US" dirty="0" err="1" smtClean="0"/>
-              <a:t>Azure.Messaging.EventHubs</a:t>
-            </a:r>
-            <a:r>
-              <a:rPr lang="en-US" dirty="0" smtClean="0"/>
-              <a:t> nugget package</a:t>
-            </a:r>
-          </a:p>
-          <a:p>
-            <a:pPr lvl="2"/>
-            <a:r>
-              <a:rPr lang="en-US" dirty="0" smtClean="0"/>
-              <a:t>Requires </a:t>
-            </a:r>
-            <a:r>
-              <a:rPr lang="en-US" i="1" dirty="0" smtClean="0"/>
-              <a:t>Shared Access Policy </a:t>
-            </a:r>
-            <a:r>
-              <a:rPr lang="en-US" dirty="0" smtClean="0"/>
-              <a:t>connection string from </a:t>
-            </a:r>
-            <a:r>
-              <a:rPr lang="en-US" i="1" dirty="0" err="1" smtClean="0"/>
-              <a:t>receivedRequests</a:t>
-            </a:r>
-            <a:r>
-              <a:rPr lang="en-US" dirty="0" smtClean="0"/>
-              <a:t> hub</a:t>
-            </a:r>
-          </a:p>
-          <a:p>
-            <a:pPr lvl="1"/>
-            <a:r>
-              <a:rPr lang="en-US" dirty="0" smtClean="0"/>
-              <a:t>Business logic in </a:t>
-            </a:r>
-            <a:r>
-              <a:rPr lang="en-US" dirty="0" err="1" smtClean="0"/>
-              <a:t>BusinessLogic</a:t>
-            </a:r>
-            <a:r>
-              <a:rPr lang="en-US" dirty="0" smtClean="0"/>
-              <a:t> project in solution</a:t>
-            </a:r>
-          </a:p>
-        </p:txBody>
-      </p:sp>
-      <p:pic>
-        <p:nvPicPr>
-          <p:cNvPr id="4" name="Picture 3"/>
-          <p:cNvPicPr>
-            <a:picLocks noChangeAspect="1"/>
-          </p:cNvPicPr>
-          <p:nvPr/>
-        </p:nvPicPr>
-        <p:blipFill>
-          <a:blip r:embed="rId2" cstate="print">
-            <a:extLst>
-              <a:ext uri="{28A0092B-C50C-407E-A947-70E740481C1C}">
-                <a14:useLocalDpi xmlns:a14="http://schemas.microsoft.com/office/drawing/2010/main" val="0"/>
-              </a:ext>
-            </a:extLst>
-          </a:blip>
-          <a:stretch>
-            <a:fillRect/>
-          </a:stretch>
-        </p:blipFill>
-        <p:spPr>
-          <a:xfrm>
-            <a:off x="9135291" y="292047"/>
-            <a:ext cx="2455817" cy="1381224"/>
-          </a:xfrm>
-          <a:prstGeom prst="rect">
-            <a:avLst/>
-          </a:prstGeom>
-        </p:spPr>
-      </p:pic>
-    </p:spTree>
-    <p:extLst>
-      <p:ext uri="{BB962C8B-B14F-4D97-AF65-F5344CB8AC3E}">
-        <p14:creationId xmlns:p14="http://schemas.microsoft.com/office/powerpoint/2010/main" val="3702653548"/>
-      </p:ext>
-    </p:extLst>
-  </p:cSld>
-  <p:clrMapOvr>
-    <a:masterClrMapping/>
-  </p:clrMapOvr>
-</p:sld>
-</file>
-
-<file path=ppt/slides/slide11.xml><?xml version="1.0" encoding="utf-8"?>
-<p:sld xmlns:a="http://schemas.openxmlformats.org/drawingml/2006/main" xmlns:r="http://schemas.openxmlformats.org/officeDocument/2006/relationships" xmlns:p="http://schemas.openxmlformats.org/presentationml/2006/main">
-  <p:cSld>
-    <p:spTree>
-      <p:nvGrpSpPr>
-        <p:cNvPr id="1" name=""/>
-        <p:cNvGrpSpPr/>
-        <p:nvPr/>
-      </p:nvGrpSpPr>
-      <p:grpSpPr>
-        <a:xfrm>
-          <a:off x="0" y="0"/>
-          <a:ext cx="0" cy="0"/>
-          <a:chOff x="0" y="0"/>
-          <a:chExt cx="0" cy="0"/>
-        </a:xfrm>
-      </p:grpSpPr>
-      <p:sp>
-        <p:nvSpPr>
-          <p:cNvPr id="2" name="Title 1"/>
-          <p:cNvSpPr>
-            <a:spLocks noGrp="1"/>
-          </p:cNvSpPr>
-          <p:nvPr>
-            <p:ph type="title"/>
-          </p:nvPr>
-        </p:nvSpPr>
-        <p:spPr/>
-        <p:txBody>
-          <a:bodyPr/>
-          <a:lstStyle/>
-          <a:p>
-            <a:r>
-              <a:rPr lang="en-US" dirty="0"/>
-              <a:t>T</a:t>
-            </a:r>
-            <a:r>
-              <a:rPr lang="en-US" dirty="0" smtClean="0"/>
               <a:t>ask 1-3: Deploy Provider Transfer</a:t>
             </a:r>
             <a:br>
@@ -3475,7 +3233,7 @@
 </p:sld>
 </file>
 
-<file path=ppt/slides/slide12.xml><?xml version="1.0" encoding="utf-8"?>
+<file path=ppt/slides/slide11.xml><?xml version="1.0" encoding="utf-8"?>
 <p:sld xmlns:a="http://schemas.openxmlformats.org/drawingml/2006/main" xmlns:r="http://schemas.openxmlformats.org/officeDocument/2006/relationships" xmlns:p="http://schemas.openxmlformats.org/presentationml/2006/main">
   <p:cSld>
     <p:spTree>
@@ -3528,7 +3286,7 @@
         <p:spPr/>
         <p:txBody>
           <a:bodyPr>
-            <a:normAutofit fontScale="92500" lnSpcReduction="10000"/>
+            <a:normAutofit fontScale="70000" lnSpcReduction="20000"/>
           </a:bodyPr>
           <a:lstStyle/>
           <a:p>
@@ -3541,7 +3299,7 @@
             <a:pPr lvl="1"/>
             <a:r>
               <a:rPr lang="en-US" dirty="0" smtClean="0"/>
-              <a:t>Incoming requests are available to any platform components</a:t>
+              <a:t>Incoming requests are available to any platform services</a:t>
             </a:r>
           </a:p>
           <a:p>
@@ -3557,7 +3315,7 @@
             <a:pPr lvl="1"/>
             <a:r>
               <a:rPr lang="en-US" dirty="0" smtClean="0"/>
-              <a:t>Publishing requests with little concern for who will consume them or how many consumers there will be</a:t>
+              <a:t>Little concern for who will consume requests, how many consumers there will be, or when the consumers will consume the requests</a:t>
             </a:r>
           </a:p>
           <a:p>
@@ -3566,7 +3324,23 @@
           <a:p>
             <a:r>
               <a:rPr lang="en-US" dirty="0" smtClean="0"/>
-              <a:t>We are using PaaS options to minimize development and maintenance work</a:t>
+              <a:t>We are using </a:t>
+            </a:r>
+            <a:r>
+              <a:rPr lang="en-US" dirty="0" smtClean="0"/>
+              <a:t>PaaS and </a:t>
+            </a:r>
+            <a:r>
+              <a:rPr lang="en-US" dirty="0" err="1" smtClean="0"/>
+              <a:t>serverless</a:t>
+            </a:r>
+            <a:r>
+              <a:rPr lang="en-US" dirty="0" smtClean="0"/>
+              <a:t> </a:t>
+            </a:r>
+            <a:r>
+              <a:rPr lang="en-US" dirty="0" smtClean="0"/>
+              <a:t>options to minimize development and maintenance work</a:t>
             </a:r>
           </a:p>
           <a:p>
@@ -3575,8 +3349,41 @@
           <a:p>
             <a:r>
               <a:rPr lang="en-US" dirty="0" smtClean="0"/>
-              <a:t>Everything about the platform is scalable</a:t>
-            </a:r>
+              <a:t>Components are easily scalable without configuring a load balancer</a:t>
+            </a:r>
+          </a:p>
+          <a:p>
+            <a:pPr lvl="1"/>
+            <a:r>
+              <a:rPr lang="en-US" dirty="0" smtClean="0"/>
+              <a:t>Azure Functions automatically scale</a:t>
+            </a:r>
+          </a:p>
+          <a:p>
+            <a:pPr lvl="1"/>
+            <a:r>
+              <a:rPr lang="en-US" dirty="0" smtClean="0"/>
+              <a:t>Event Hubs has simple options for manually or automatically scaling</a:t>
+            </a:r>
+          </a:p>
+          <a:p>
+            <a:pPr lvl="1"/>
+            <a:endParaRPr lang="en-US" dirty="0"/>
+          </a:p>
+          <a:p>
+            <a:r>
+              <a:rPr lang="en-US" dirty="0" smtClean="0"/>
+              <a:t>Azure Functions </a:t>
+            </a:r>
+            <a:r>
+              <a:rPr lang="en-US" i="1" dirty="0" smtClean="0"/>
+              <a:t>slots</a:t>
+            </a:r>
+            <a:r>
+              <a:rPr lang="en-US" dirty="0" smtClean="0"/>
+              <a:t> can be configured to achieve zero-downtime deployments</a:t>
+            </a:r>
+            <a:endParaRPr lang="en-US" dirty="0" smtClean="0"/>
           </a:p>
         </p:txBody>
       </p:sp>
@@ -3642,121 +3449,6 @@
       </p:grpSpPr>
       <p:sp>
         <p:nvSpPr>
-          <p:cNvPr id="4" name="Title 3"/>
-          <p:cNvSpPr>
-            <a:spLocks noGrp="1"/>
-          </p:cNvSpPr>
-          <p:nvPr>
-            <p:ph type="title"/>
-          </p:nvPr>
-        </p:nvSpPr>
-        <p:spPr/>
-        <p:txBody>
-          <a:bodyPr/>
-          <a:lstStyle/>
-          <a:p>
-            <a:r>
-              <a:rPr lang="en-US" dirty="0" smtClean="0"/>
-              <a:t>***TODO</a:t>
-            </a:r>
-            <a:endParaRPr lang="en-US" dirty="0"/>
-          </a:p>
-        </p:txBody>
-      </p:sp>
-      <p:sp>
-        <p:nvSpPr>
-          <p:cNvPr id="5" name="Content Placeholder 4"/>
-          <p:cNvSpPr>
-            <a:spLocks noGrp="1"/>
-          </p:cNvSpPr>
-          <p:nvPr>
-            <p:ph idx="1"/>
-          </p:nvPr>
-        </p:nvSpPr>
-        <p:spPr/>
-        <p:txBody>
-          <a:bodyPr/>
-          <a:lstStyle/>
-          <a:p>
-            <a:r>
-              <a:rPr lang="en-US" dirty="0" smtClean="0"/>
-              <a:t>**** Install Azure CLI ****</a:t>
-            </a:r>
-          </a:p>
-          <a:p>
-            <a:endParaRPr lang="en-US" dirty="0"/>
-          </a:p>
-          <a:p>
-            <a:r>
-              <a:rPr lang="en-US" dirty="0" smtClean="0"/>
-              <a:t>??? Include App Insights when </a:t>
-            </a:r>
-            <a:r>
-              <a:rPr lang="en-US" dirty="0" err="1" smtClean="0"/>
-              <a:t>publishin</a:t>
-            </a:r>
-            <a:r>
-              <a:rPr lang="en-US" smtClean="0"/>
-              <a:t>???</a:t>
-            </a:r>
-            <a:endParaRPr lang="en-US" dirty="0" smtClean="0"/>
-          </a:p>
-          <a:p>
-            <a:endParaRPr lang="en-US" dirty="0"/>
-          </a:p>
-          <a:p>
-            <a:endParaRPr lang="en-US" dirty="0" smtClean="0"/>
-          </a:p>
-          <a:p>
-            <a:r>
-              <a:rPr lang="en-US" dirty="0" smtClean="0"/>
-              <a:t>Do </a:t>
-            </a:r>
-            <a:r>
-              <a:rPr lang="en-US" dirty="0" smtClean="0"/>
-              <a:t>we need to ensure Azure emulator installed?</a:t>
-            </a:r>
-          </a:p>
-          <a:p>
-            <a:r>
-              <a:rPr lang="en-US" dirty="0" smtClean="0"/>
-              <a:t>Add completed solution to sprint 2</a:t>
-            </a:r>
-          </a:p>
-        </p:txBody>
-      </p:sp>
-    </p:spTree>
-    <p:extLst>
-      <p:ext uri="{BB962C8B-B14F-4D97-AF65-F5344CB8AC3E}">
-        <p14:creationId xmlns:p14="http://schemas.microsoft.com/office/powerpoint/2010/main" val="3809530939"/>
-      </p:ext>
-    </p:extLst>
-  </p:cSld>
-  <p:clrMapOvr>
-    <a:masterClrMapping/>
-  </p:clrMapOvr>
-</p:sld>
-</file>
-
-<file path=ppt/slides/slide3.xml><?xml version="1.0" encoding="utf-8"?>
-<p:sld xmlns:a="http://schemas.openxmlformats.org/drawingml/2006/main" xmlns:r="http://schemas.openxmlformats.org/officeDocument/2006/relationships" xmlns:p="http://schemas.openxmlformats.org/presentationml/2006/main">
-  <p:cSld>
-    <p:spTree>
-      <p:nvGrpSpPr>
-        <p:cNvPr id="1" name=""/>
-        <p:cNvGrpSpPr/>
-        <p:nvPr/>
-      </p:nvGrpSpPr>
-      <p:grpSpPr>
-        <a:xfrm>
-          <a:off x="0" y="0"/>
-          <a:ext cx="0" cy="0"/>
-          <a:chOff x="0" y="0"/>
-          <a:chExt cx="0" cy="0"/>
-        </a:xfrm>
-      </p:grpSpPr>
-      <p:sp>
-        <p:nvSpPr>
           <p:cNvPr id="2" name="Title 1"/>
           <p:cNvSpPr>
             <a:spLocks noGrp="1"/>
@@ -3800,7 +3492,7 @@
             </a:pPr>
             <a:r>
               <a:rPr lang="en-US" dirty="0" smtClean="0"/>
-              <a:t>As a TAH developer, I need all incoming requests for service to be available to all current and future components of the utilization management platform so that I can implement the features provided by TAH.</a:t>
+              <a:t>As a TAH developer, I need all incoming requests for service to be available to all current and future platform services so that I can implement TAH features.</a:t>
             </a:r>
           </a:p>
           <a:p>
@@ -3835,7 +3527,7 @@
             </a:pPr>
             <a:r>
               <a:rPr lang="en-US" dirty="0" smtClean="0"/>
-              <a:t>Consumers must be able to receive the requests in the order they were received</a:t>
+              <a:t>Services must receive the requests in the order they were received from providers</a:t>
             </a:r>
           </a:p>
           <a:p>
@@ -3845,7 +3537,7 @@
             </a:pPr>
             <a:r>
               <a:rPr lang="en-US" dirty="0" smtClean="0"/>
-              <a:t>Consumers should be able to </a:t>
+              <a:t>Services should be able to </a:t>
             </a:r>
           </a:p>
           <a:p>
@@ -3923,7 +3615,7 @@
 </p:sld>
 </file>
 
-<file path=ppt/slides/slide4.xml><?xml version="1.0" encoding="utf-8"?>
+<file path=ppt/slides/slide3.xml><?xml version="1.0" encoding="utf-8"?>
 <p:sld xmlns:a="http://schemas.openxmlformats.org/drawingml/2006/main" xmlns:r="http://schemas.openxmlformats.org/officeDocument/2006/relationships" xmlns:p="http://schemas.openxmlformats.org/presentationml/2006/main">
   <p:cSld>
     <p:spTree>
@@ -3976,7 +3668,7 @@
         <p:spPr/>
         <p:txBody>
           <a:bodyPr>
-            <a:normAutofit fontScale="92500" lnSpcReduction="20000"/>
+            <a:normAutofit fontScale="85000" lnSpcReduction="10000"/>
           </a:bodyPr>
           <a:lstStyle/>
           <a:p>
@@ -4015,7 +3707,23 @@
           <a:p>
             <a:r>
               <a:rPr lang="en-US" dirty="0" smtClean="0"/>
-              <a:t>What Azure resources to use for message bus and service?</a:t>
+              <a:t>What Azure resources to use for message bus and Provider </a:t>
+            </a:r>
+            <a:r>
+              <a:rPr lang="en-US" dirty="0"/>
+              <a:t>T</a:t>
+            </a:r>
+            <a:r>
+              <a:rPr lang="en-US" dirty="0" smtClean="0"/>
+              <a:t>ransfer </a:t>
+            </a:r>
+            <a:r>
+              <a:rPr lang="en-US" dirty="0"/>
+              <a:t>S</a:t>
+            </a:r>
+            <a:r>
+              <a:rPr lang="en-US" dirty="0" smtClean="0"/>
+              <a:t>ervice?</a:t>
             </a:r>
           </a:p>
           <a:p>
@@ -4099,7 +3807,7 @@
 </p:sld>
 </file>
 
-<file path=ppt/slides/slide5.xml><?xml version="1.0" encoding="utf-8"?>
+<file path=ppt/slides/slide4.xml><?xml version="1.0" encoding="utf-8"?>
 <p:sld xmlns:a="http://schemas.openxmlformats.org/drawingml/2006/main" xmlns:r="http://schemas.openxmlformats.org/officeDocument/2006/relationships" xmlns:p="http://schemas.openxmlformats.org/presentationml/2006/main">
   <p:cSld>
     <p:spTree>
@@ -4232,7 +3940,7 @@
 </p:sld>
 </file>
 
-<file path=ppt/slides/slide6.xml><?xml version="1.0" encoding="utf-8"?>
+<file path=ppt/slides/slide5.xml><?xml version="1.0" encoding="utf-8"?>
 <p:sld xmlns:a="http://schemas.openxmlformats.org/drawingml/2006/main" xmlns:r="http://schemas.openxmlformats.org/officeDocument/2006/relationships" xmlns:p="http://schemas.openxmlformats.org/presentationml/2006/main">
   <p:cSld>
     <p:spTree>
@@ -4772,7 +4480,7 @@
 </p:sld>
 </file>
 
-<file path=ppt/slides/slide7.xml><?xml version="1.0" encoding="utf-8"?>
+<file path=ppt/slides/slide6.xml><?xml version="1.0" encoding="utf-8"?>
 <p:sld xmlns:a="http://schemas.openxmlformats.org/drawingml/2006/main" xmlns:r="http://schemas.openxmlformats.org/officeDocument/2006/relationships" xmlns:p="http://schemas.openxmlformats.org/presentationml/2006/main">
   <p:cSld>
     <p:spTree>
@@ -4849,7 +4557,7 @@
             <a:pPr lvl="1"/>
             <a:r>
               <a:rPr lang="en-US" dirty="0" smtClean="0"/>
-              <a:t>Can add consumers after messages published</a:t>
+              <a:t>New consumers can receive previously published messages</a:t>
             </a:r>
           </a:p>
           <a:p>
@@ -4966,7 +4674,7 @@
 </p:sld>
 </file>
 
-<file path=ppt/slides/slide8.xml><?xml version="1.0" encoding="utf-8"?>
+<file path=ppt/slides/slide7.xml><?xml version="1.0" encoding="utf-8"?>
 <p:sld xmlns:a="http://schemas.openxmlformats.org/drawingml/2006/main" xmlns:r="http://schemas.openxmlformats.org/officeDocument/2006/relationships" xmlns:p="http://schemas.openxmlformats.org/presentationml/2006/main">
   <p:cSld>
     <p:spTree>
@@ -5030,7 +4738,7 @@
         <p:spPr/>
         <p:txBody>
           <a:bodyPr>
-            <a:normAutofit fontScale="70000" lnSpcReduction="20000"/>
+            <a:normAutofit fontScale="77500" lnSpcReduction="20000"/>
           </a:bodyPr>
           <a:lstStyle/>
           <a:p>
@@ -5059,13 +4767,6 @@
             <a:r>
               <a:rPr lang="en-US" dirty="0" smtClean="0"/>
               <a:t>Automatically scales – up to 200 parallel instances</a:t>
-            </a:r>
-          </a:p>
-          <a:p>
-            <a:pPr lvl="1"/>
-            <a:r>
-              <a:rPr lang="en-US" dirty="0" smtClean="0"/>
-              <a:t>We’ll discuss other hosting options in later sprint</a:t>
             </a:r>
           </a:p>
           <a:p>
@@ -5180,7 +4881,7 @@
 </p:sld>
 </file>
 
-<file path=ppt/slides/slide9.xml><?xml version="1.0" encoding="utf-8"?>
+<file path=ppt/slides/slide8.xml><?xml version="1.0" encoding="utf-8"?>
 <p:sld xmlns:a="http://schemas.openxmlformats.org/drawingml/2006/main" xmlns:r="http://schemas.openxmlformats.org/officeDocument/2006/relationships" xmlns:p="http://schemas.openxmlformats.org/presentationml/2006/main">
   <p:cSld>
     <p:spTree>
@@ -5259,13 +4960,8 @@
           <a:p>
             <a:r>
               <a:rPr lang="en-US" dirty="0" smtClean="0"/>
-              <a:t>Develop in Azure </a:t>
-            </a:r>
-            <a:r>
-              <a:rPr lang="en-US" dirty="0" smtClean="0"/>
-              <a:t>Portal</a:t>
-            </a:r>
-            <a:endParaRPr lang="en-US" dirty="0" smtClean="0"/>
+              <a:t>Develop in Azure Portal</a:t>
+            </a:r>
           </a:p>
           <a:p>
             <a:endParaRPr lang="en-US" dirty="0" smtClean="0"/>
@@ -5344,6 +5040,218 @@
     <p:extLst>
       <p:ext uri="{BB962C8B-B14F-4D97-AF65-F5344CB8AC3E}">
         <p14:creationId xmlns:p14="http://schemas.microsoft.com/office/powerpoint/2010/main" val="1220435000"/>
+      </p:ext>
+    </p:extLst>
+  </p:cSld>
+  <p:clrMapOvr>
+    <a:masterClrMapping/>
+  </p:clrMapOvr>
+</p:sld>
+</file>
+
+<file path=ppt/slides/slide9.xml><?xml version="1.0" encoding="utf-8"?>
+<p:sld xmlns:a="http://schemas.openxmlformats.org/drawingml/2006/main" xmlns:r="http://schemas.openxmlformats.org/officeDocument/2006/relationships" xmlns:p="http://schemas.openxmlformats.org/presentationml/2006/main">
+  <p:cSld>
+    <p:spTree>
+      <p:nvGrpSpPr>
+        <p:cNvPr id="1" name=""/>
+        <p:cNvGrpSpPr/>
+        <p:nvPr/>
+      </p:nvGrpSpPr>
+      <p:grpSpPr>
+        <a:xfrm>
+          <a:off x="0" y="0"/>
+          <a:ext cx="0" cy="0"/>
+          <a:chOff x="0" y="0"/>
+          <a:chExt cx="0" cy="0"/>
+        </a:xfrm>
+      </p:grpSpPr>
+      <p:sp>
+        <p:nvSpPr>
+          <p:cNvPr id="2" name="Title 1"/>
+          <p:cNvSpPr>
+            <a:spLocks noGrp="1"/>
+          </p:cNvSpPr>
+          <p:nvPr>
+            <p:ph type="title"/>
+          </p:nvPr>
+        </p:nvSpPr>
+        <p:spPr/>
+        <p:txBody>
+          <a:bodyPr/>
+          <a:lstStyle/>
+          <a:p>
+            <a:r>
+              <a:rPr lang="en-US" dirty="0"/>
+              <a:t>T</a:t>
+            </a:r>
+            <a:r>
+              <a:rPr lang="en-US" dirty="0" smtClean="0"/>
+              <a:t>ask 1-2: Create Provider Transfer</a:t>
+            </a:r>
+            <a:br>
+              <a:rPr lang="en-US" dirty="0" smtClean="0"/>
+            </a:br>
+            <a:r>
+              <a:rPr lang="en-US" dirty="0" smtClean="0"/>
+              <a:t>Service</a:t>
+            </a:r>
+            <a:endParaRPr lang="en-US" dirty="0"/>
+          </a:p>
+        </p:txBody>
+      </p:sp>
+      <p:sp>
+        <p:nvSpPr>
+          <p:cNvPr id="3" name="Content Placeholder 2"/>
+          <p:cNvSpPr>
+            <a:spLocks noGrp="1"/>
+          </p:cNvSpPr>
+          <p:nvPr>
+            <p:ph idx="1"/>
+          </p:nvPr>
+        </p:nvSpPr>
+        <p:spPr/>
+        <p:txBody>
+          <a:bodyPr>
+            <a:normAutofit lnSpcReduction="10000"/>
+          </a:bodyPr>
+          <a:lstStyle/>
+          <a:p>
+            <a:r>
+              <a:rPr lang="en-US" dirty="0" smtClean="0"/>
+              <a:t>Simulate incoming requests by generating and sending random requests</a:t>
+            </a:r>
+          </a:p>
+          <a:p>
+            <a:endParaRPr lang="en-US" dirty="0" smtClean="0"/>
+          </a:p>
+          <a:p>
+            <a:r>
+              <a:rPr lang="en-US" dirty="0" smtClean="0"/>
+              <a:t>Start with ThreeAmigosHealth.sln in Sprint1</a:t>
+            </a:r>
+          </a:p>
+          <a:p>
+            <a:endParaRPr lang="en-US" dirty="0" smtClean="0"/>
+          </a:p>
+          <a:p>
+            <a:r>
+              <a:rPr lang="en-US" dirty="0" smtClean="0"/>
+              <a:t>Add Azure Functions / </a:t>
+            </a:r>
+            <a:r>
+              <a:rPr lang="en-US" dirty="0" err="1" smtClean="0"/>
+              <a:t>c#</a:t>
+            </a:r>
+            <a:r>
+              <a:rPr lang="en-US" dirty="0" smtClean="0"/>
+              <a:t> with Timer Trigger</a:t>
+            </a:r>
+          </a:p>
+          <a:p>
+            <a:pPr lvl="1"/>
+            <a:r>
+              <a:rPr lang="en-US" dirty="0" smtClean="0"/>
+              <a:t>Timer will send a request each time it fires</a:t>
+            </a:r>
+          </a:p>
+          <a:p>
+            <a:pPr lvl="1"/>
+            <a:r>
+              <a:rPr lang="en-US" dirty="0" smtClean="0"/>
+              <a:t>Use </a:t>
+            </a:r>
+            <a:r>
+              <a:rPr lang="en-US" dirty="0" err="1" smtClean="0"/>
+              <a:t>EventHubProducerClient</a:t>
+            </a:r>
+            <a:r>
+              <a:rPr lang="en-US" dirty="0" smtClean="0"/>
+              <a:t> from </a:t>
+            </a:r>
+            <a:r>
+              <a:rPr lang="en-US" dirty="0" err="1" smtClean="0"/>
+              <a:t>Azure.Messaging.EventHubs</a:t>
+            </a:r>
+            <a:r>
+              <a:rPr lang="en-US" dirty="0" smtClean="0"/>
+              <a:t> nugget package</a:t>
+            </a:r>
+          </a:p>
+          <a:p>
+            <a:pPr lvl="2"/>
+            <a:r>
+              <a:rPr lang="en-US" dirty="0" smtClean="0"/>
+              <a:t>Requires </a:t>
+            </a:r>
+            <a:r>
+              <a:rPr lang="en-US" i="1" dirty="0" smtClean="0"/>
+              <a:t>Shared Access Policy </a:t>
+            </a:r>
+            <a:r>
+              <a:rPr lang="en-US" dirty="0" smtClean="0"/>
+              <a:t>connection string from </a:t>
+            </a:r>
+            <a:r>
+              <a:rPr lang="en-US" i="1" dirty="0" err="1" smtClean="0"/>
+              <a:t>receivedRequests</a:t>
+            </a:r>
+            <a:r>
+              <a:rPr lang="en-US" dirty="0" smtClean="0"/>
+              <a:t> hub</a:t>
+            </a:r>
+          </a:p>
+          <a:p>
+            <a:pPr lvl="1"/>
+            <a:r>
+              <a:rPr lang="en-US" dirty="0" smtClean="0"/>
+              <a:t>Business logic in </a:t>
+            </a:r>
+            <a:r>
+              <a:rPr lang="en-US" dirty="0" err="1" smtClean="0"/>
+              <a:t>BusinessLogic</a:t>
+            </a:r>
+            <a:r>
+              <a:rPr lang="en-US" dirty="0" smtClean="0"/>
+              <a:t> project in solution</a:t>
+            </a:r>
+          </a:p>
+        </p:txBody>
+      </p:sp>
+      <p:pic>
+        <p:nvPicPr>
+          <p:cNvPr id="4" name="Picture 3"/>
+          <p:cNvPicPr>
+            <a:picLocks noChangeAspect="1"/>
+          </p:cNvPicPr>
+          <p:nvPr/>
+        </p:nvPicPr>
+        <p:blipFill>
+          <a:blip r:embed="rId2" cstate="print">
+            <a:extLst>
+              <a:ext uri="{28A0092B-C50C-407E-A947-70E740481C1C}">
+                <a14:useLocalDpi xmlns:a14="http://schemas.microsoft.com/office/drawing/2010/main" val="0"/>
+              </a:ext>
+            </a:extLst>
+          </a:blip>
+          <a:stretch>
+            <a:fillRect/>
+          </a:stretch>
+        </p:blipFill>
+        <p:spPr>
+          <a:xfrm>
+            <a:off x="9135291" y="292047"/>
+            <a:ext cx="2455817" cy="1381224"/>
+          </a:xfrm>
+          <a:prstGeom prst="rect">
+            <a:avLst/>
+          </a:prstGeom>
+        </p:spPr>
+      </p:pic>
+    </p:spTree>
+    <p:extLst>
+      <p:ext uri="{BB962C8B-B14F-4D97-AF65-F5344CB8AC3E}">
+        <p14:creationId xmlns:p14="http://schemas.microsoft.com/office/powerpoint/2010/main" val="3702653548"/>
       </p:ext>
     </p:extLst>
   </p:cSld>
